--- a/Testing in Java (Spring Boot + Junit5 + Mockito)/Tests in Java & Spring Boot.pptx
+++ b/Testing in Java (Spring Boot + Junit5 + Mockito)/Tests in Java & Spring Boot.pptx
@@ -5,7 +5,7 @@
     <p:sldMasterId id="2147483648" r:id="rId1"/>
   </p:sldMasterIdLst>
   <p:notesMasterIdLst>
-    <p:notesMasterId r:id="rId13"/>
+    <p:notesMasterId r:id="rId12"/>
   </p:notesMasterIdLst>
   <p:sldIdLst>
     <p:sldId id="256" r:id="rId2"/>
@@ -18,7 +18,6 @@
     <p:sldId id="273" r:id="rId9"/>
     <p:sldId id="274" r:id="rId10"/>
     <p:sldId id="275" r:id="rId11"/>
-    <p:sldId id="276" r:id="rId12"/>
   </p:sldIdLst>
   <p:sldSz cx="12192000" cy="6858000"/>
   <p:notesSz cx="6858000" cy="9144000"/>
@@ -207,7 +206,7 @@
           <a:p>
             <a:fld id="{B2C57826-7828-455B-873C-09546A074730}" type="datetimeFigureOut">
               <a:rPr lang="en-US" smtClean="0"/>
-              <a:t>4/14/2023</a:t>
+              <a:t>4/20/2023</a:t>
             </a:fld>
             <a:endParaRPr lang="en-US"/>
           </a:p>
@@ -642,90 +641,6 @@
 </p:notes>
 </file>
 
-<file path=ppt/notesSlides/notesSlide11.xml><?xml version="1.0" encoding="utf-8"?>
-<p:notes xmlns:a="http://schemas.openxmlformats.org/drawingml/2006/main" xmlns:r="http://schemas.openxmlformats.org/officeDocument/2006/relationships" xmlns:p="http://schemas.openxmlformats.org/presentationml/2006/main">
-  <p:cSld>
-    <p:spTree>
-      <p:nvGrpSpPr>
-        <p:cNvPr id="1" name=""/>
-        <p:cNvGrpSpPr/>
-        <p:nvPr/>
-      </p:nvGrpSpPr>
-      <p:grpSpPr>
-        <a:xfrm>
-          <a:off x="0" y="0"/>
-          <a:ext cx="0" cy="0"/>
-          <a:chOff x="0" y="0"/>
-          <a:chExt cx="0" cy="0"/>
-        </a:xfrm>
-      </p:grpSpPr>
-      <p:sp>
-        <p:nvSpPr>
-          <p:cNvPr id="2" name="Slide Image Placeholder 1"/>
-          <p:cNvSpPr>
-            <a:spLocks noGrp="1" noRot="1" noChangeAspect="1"/>
-          </p:cNvSpPr>
-          <p:nvPr>
-            <p:ph type="sldImg"/>
-          </p:nvPr>
-        </p:nvSpPr>
-        <p:spPr/>
-      </p:sp>
-      <p:sp>
-        <p:nvSpPr>
-          <p:cNvPr id="3" name="Notes Placeholder 2"/>
-          <p:cNvSpPr>
-            <a:spLocks noGrp="1"/>
-          </p:cNvSpPr>
-          <p:nvPr>
-            <p:ph type="body" idx="1"/>
-          </p:nvPr>
-        </p:nvSpPr>
-        <p:spPr/>
-        <p:txBody>
-          <a:bodyPr/>
-          <a:lstStyle/>
-          <a:p>
-            <a:endParaRPr lang="en-US" dirty="0"/>
-          </a:p>
-        </p:txBody>
-      </p:sp>
-      <p:sp>
-        <p:nvSpPr>
-          <p:cNvPr id="4" name="Slide Number Placeholder 3"/>
-          <p:cNvSpPr>
-            <a:spLocks noGrp="1"/>
-          </p:cNvSpPr>
-          <p:nvPr>
-            <p:ph type="sldNum" sz="quarter" idx="5"/>
-          </p:nvPr>
-        </p:nvSpPr>
-        <p:spPr/>
-        <p:txBody>
-          <a:bodyPr/>
-          <a:lstStyle/>
-          <a:p>
-            <a:fld id="{20F60410-F6C4-4A65-BD84-F4F3474C5883}" type="slidenum">
-              <a:rPr lang="en-US" smtClean="0"/>
-              <a:t>11</a:t>
-            </a:fld>
-            <a:endParaRPr lang="en-US"/>
-          </a:p>
-        </p:txBody>
-      </p:sp>
-    </p:spTree>
-    <p:extLst>
-      <p:ext uri="{BB962C8B-B14F-4D97-AF65-F5344CB8AC3E}">
-        <p14:creationId xmlns:p14="http://schemas.microsoft.com/office/powerpoint/2010/main" val="2984608222"/>
-      </p:ext>
-    </p:extLst>
-  </p:cSld>
-  <p:clrMapOvr>
-    <a:masterClrMapping/>
-  </p:clrMapOvr>
-</p:notes>
-</file>
-
 <file path=ppt/notesSlides/notesSlide2.xml><?xml version="1.0" encoding="utf-8"?>
 <p:notes xmlns:a="http://schemas.openxmlformats.org/drawingml/2006/main" xmlns:r="http://schemas.openxmlformats.org/officeDocument/2006/relationships" xmlns:p="http://schemas.openxmlformats.org/presentationml/2006/main">
   <p:cSld>
@@ -1908,7 +1823,7 @@
           <a:p>
             <a:fld id="{14A391C6-5585-48FA-B0DD-C1974725DD62}" type="datetimeFigureOut">
               <a:rPr lang="en-US" smtClean="0"/>
-              <a:t>4/14/2023</a:t>
+              <a:t>4/20/2023</a:t>
             </a:fld>
             <a:endParaRPr lang="en-US"/>
           </a:p>
@@ -2106,7 +2021,7 @@
           <a:p>
             <a:fld id="{14A391C6-5585-48FA-B0DD-C1974725DD62}" type="datetimeFigureOut">
               <a:rPr lang="en-US" smtClean="0"/>
-              <a:t>4/14/2023</a:t>
+              <a:t>4/20/2023</a:t>
             </a:fld>
             <a:endParaRPr lang="en-US"/>
           </a:p>
@@ -2314,7 +2229,7 @@
           <a:p>
             <a:fld id="{14A391C6-5585-48FA-B0DD-C1974725DD62}" type="datetimeFigureOut">
               <a:rPr lang="en-US" smtClean="0"/>
-              <a:t>4/14/2023</a:t>
+              <a:t>4/20/2023</a:t>
             </a:fld>
             <a:endParaRPr lang="en-US"/>
           </a:p>
@@ -2512,7 +2427,7 @@
           <a:p>
             <a:fld id="{14A391C6-5585-48FA-B0DD-C1974725DD62}" type="datetimeFigureOut">
               <a:rPr lang="en-US" smtClean="0"/>
-              <a:t>4/14/2023</a:t>
+              <a:t>4/20/2023</a:t>
             </a:fld>
             <a:endParaRPr lang="en-US"/>
           </a:p>
@@ -2787,7 +2702,7 @@
           <a:p>
             <a:fld id="{14A391C6-5585-48FA-B0DD-C1974725DD62}" type="datetimeFigureOut">
               <a:rPr lang="en-US" smtClean="0"/>
-              <a:t>4/14/2023</a:t>
+              <a:t>4/20/2023</a:t>
             </a:fld>
             <a:endParaRPr lang="en-US"/>
           </a:p>
@@ -3052,7 +2967,7 @@
           <a:p>
             <a:fld id="{14A391C6-5585-48FA-B0DD-C1974725DD62}" type="datetimeFigureOut">
               <a:rPr lang="en-US" smtClean="0"/>
-              <a:t>4/14/2023</a:t>
+              <a:t>4/20/2023</a:t>
             </a:fld>
             <a:endParaRPr lang="en-US"/>
           </a:p>
@@ -3464,7 +3379,7 @@
           <a:p>
             <a:fld id="{14A391C6-5585-48FA-B0DD-C1974725DD62}" type="datetimeFigureOut">
               <a:rPr lang="en-US" smtClean="0"/>
-              <a:t>4/14/2023</a:t>
+              <a:t>4/20/2023</a:t>
             </a:fld>
             <a:endParaRPr lang="en-US"/>
           </a:p>
@@ -3605,7 +3520,7 @@
           <a:p>
             <a:fld id="{14A391C6-5585-48FA-B0DD-C1974725DD62}" type="datetimeFigureOut">
               <a:rPr lang="en-US" smtClean="0"/>
-              <a:t>4/14/2023</a:t>
+              <a:t>4/20/2023</a:t>
             </a:fld>
             <a:endParaRPr lang="en-US"/>
           </a:p>
@@ -3718,7 +3633,7 @@
           <a:p>
             <a:fld id="{14A391C6-5585-48FA-B0DD-C1974725DD62}" type="datetimeFigureOut">
               <a:rPr lang="en-US" smtClean="0"/>
-              <a:t>4/14/2023</a:t>
+              <a:t>4/20/2023</a:t>
             </a:fld>
             <a:endParaRPr lang="en-US"/>
           </a:p>
@@ -4029,7 +3944,7 @@
           <a:p>
             <a:fld id="{14A391C6-5585-48FA-B0DD-C1974725DD62}" type="datetimeFigureOut">
               <a:rPr lang="en-US" smtClean="0"/>
-              <a:t>4/14/2023</a:t>
+              <a:t>4/20/2023</a:t>
             </a:fld>
             <a:endParaRPr lang="en-US"/>
           </a:p>
@@ -4317,7 +4232,7 @@
           <a:p>
             <a:fld id="{14A391C6-5585-48FA-B0DD-C1974725DD62}" type="datetimeFigureOut">
               <a:rPr lang="en-US" smtClean="0"/>
-              <a:t>4/14/2023</a:t>
+              <a:t>4/20/2023</a:t>
             </a:fld>
             <a:endParaRPr lang="en-US"/>
           </a:p>
@@ -4558,7 +4473,7 @@
           <a:p>
             <a:fld id="{14A391C6-5585-48FA-B0DD-C1974725DD62}" type="datetimeFigureOut">
               <a:rPr lang="en-US" smtClean="0"/>
-              <a:t>4/14/2023</a:t>
+              <a:t>4/20/2023</a:t>
             </a:fld>
             <a:endParaRPr lang="en-US"/>
           </a:p>
@@ -5883,177 +5798,6 @@
     <p:extLst>
       <p:ext uri="{BB962C8B-B14F-4D97-AF65-F5344CB8AC3E}">
         <p14:creationId xmlns:p14="http://schemas.microsoft.com/office/powerpoint/2010/main" val="1117088497"/>
-      </p:ext>
-    </p:extLst>
-  </p:cSld>
-  <p:clrMapOvr>
-    <a:masterClrMapping/>
-  </p:clrMapOvr>
-</p:sld>
-</file>
-
-<file path=ppt/slides/slide11.xml><?xml version="1.0" encoding="utf-8"?>
-<p:sld xmlns:a="http://schemas.openxmlformats.org/drawingml/2006/main" xmlns:r="http://schemas.openxmlformats.org/officeDocument/2006/relationships" xmlns:p="http://schemas.openxmlformats.org/presentationml/2006/main">
-  <p:cSld>
-    <p:spTree>
-      <p:nvGrpSpPr>
-        <p:cNvPr id="1" name=""/>
-        <p:cNvGrpSpPr/>
-        <p:nvPr/>
-      </p:nvGrpSpPr>
-      <p:grpSpPr>
-        <a:xfrm>
-          <a:off x="0" y="0"/>
-          <a:ext cx="0" cy="0"/>
-          <a:chOff x="0" y="0"/>
-          <a:chExt cx="0" cy="0"/>
-        </a:xfrm>
-      </p:grpSpPr>
-      <p:sp>
-        <p:nvSpPr>
-          <p:cNvPr id="10" name="Title 9">
-            <a:extLst>
-              <a:ext uri="{FF2B5EF4-FFF2-40B4-BE49-F238E27FC236}">
-                <a16:creationId xmlns:a16="http://schemas.microsoft.com/office/drawing/2014/main" id="{59A5AEEE-B4EB-9CA7-7AA2-B009AE1E75C6}"/>
-              </a:ext>
-            </a:extLst>
-          </p:cNvPr>
-          <p:cNvSpPr>
-            <a:spLocks noGrp="1"/>
-          </p:cNvSpPr>
-          <p:nvPr>
-            <p:ph type="title"/>
-          </p:nvPr>
-        </p:nvSpPr>
-        <p:spPr>
-          <a:xfrm>
-            <a:off x="1909398" y="2429554"/>
-            <a:ext cx="3722933" cy="757130"/>
-          </a:xfrm>
-          <a:ln w="25400" cap="sq">
-            <a:solidFill>
-              <a:srgbClr val="FFFFFF"/>
-            </a:solidFill>
-            <a:miter lim="800000"/>
-          </a:ln>
-        </p:spPr>
-        <p:txBody>
-          <a:bodyPr vert="horz" wrap="square" lIns="91440" tIns="45720" rIns="91440" bIns="45720" rtlCol="0" anchor="ctr">
-            <a:normAutofit/>
-          </a:bodyPr>
-          <a:lstStyle/>
-          <a:p>
-            <a:pPr algn="ctr"/>
-            <a:r>
-              <a:rPr lang="en-US" sz="2400" b="1" kern="1200" dirty="0">
-                <a:solidFill>
-                  <a:srgbClr val="FFFFFF"/>
-                </a:solidFill>
-                <a:latin typeface="+mj-lt"/>
-                <a:ea typeface="+mj-ea"/>
-                <a:cs typeface="+mj-cs"/>
-              </a:rPr>
-              <a:t>Useful links</a:t>
-            </a:r>
-            <a:br>
-              <a:rPr lang="en-US" sz="2400" b="1" kern="1200" dirty="0">
-                <a:solidFill>
-                  <a:srgbClr val="FFFFFF"/>
-                </a:solidFill>
-                <a:latin typeface="+mj-lt"/>
-                <a:ea typeface="+mj-ea"/>
-                <a:cs typeface="+mj-cs"/>
-              </a:rPr>
-            </a:br>
-            <a:endParaRPr lang="en-US" sz="2400" b="1" kern="1200" dirty="0">
-              <a:solidFill>
-                <a:srgbClr val="FFFFFF"/>
-              </a:solidFill>
-              <a:latin typeface="+mj-lt"/>
-              <a:ea typeface="+mj-ea"/>
-              <a:cs typeface="+mj-cs"/>
-            </a:endParaRPr>
-          </a:p>
-        </p:txBody>
-      </p:sp>
-      <p:sp>
-        <p:nvSpPr>
-          <p:cNvPr id="3" name="Content Placeholder 2">
-            <a:extLst>
-              <a:ext uri="{FF2B5EF4-FFF2-40B4-BE49-F238E27FC236}">
-                <a16:creationId xmlns:a16="http://schemas.microsoft.com/office/drawing/2014/main" id="{B8FD81EC-5452-4932-8523-AC908166FDCA}"/>
-              </a:ext>
-            </a:extLst>
-          </p:cNvPr>
-          <p:cNvSpPr>
-            <a:spLocks noGrp="1"/>
-          </p:cNvSpPr>
-          <p:nvPr>
-            <p:ph idx="1"/>
-          </p:nvPr>
-        </p:nvSpPr>
-        <p:spPr>
-          <a:xfrm>
-            <a:off x="6387250" y="2155698"/>
-            <a:ext cx="5053066" cy="2546604"/>
-          </a:xfrm>
-        </p:spPr>
-        <p:txBody>
-          <a:bodyPr vert="horz" lIns="91440" tIns="45720" rIns="91440" bIns="45720" rtlCol="0">
-            <a:normAutofit/>
-          </a:bodyPr>
-          <a:lstStyle/>
-          <a:p>
-            <a:r>
-              <a:rPr lang="en-US" sz="1800" b="1" dirty="0">
-                <a:hlinkClick r:id="rId3"/>
-              </a:rPr>
-              <a:t>Testing Best Practices for Java + Spring Apps</a:t>
-            </a:r>
-            <a:endParaRPr lang="en-US" sz="1800" b="1" dirty="0"/>
-          </a:p>
-          <a:p>
-            <a:r>
-              <a:rPr lang="en-US" sz="1800" b="1" dirty="0">
-                <a:hlinkClick r:id="rId4"/>
-              </a:rPr>
-              <a:t>Testing with Spring Boot and @SpringBootTest</a:t>
-            </a:r>
-            <a:endParaRPr lang="en-US" sz="1800" b="1" dirty="0"/>
-          </a:p>
-          <a:p>
-            <a:r>
-              <a:rPr lang="en-US" sz="1800" b="1" dirty="0">
-                <a:hlinkClick r:id="rId5"/>
-              </a:rPr>
-              <a:t>Mockito Tutorial</a:t>
-            </a:r>
-            <a:endParaRPr lang="en-US" sz="1800" b="1" dirty="0"/>
-          </a:p>
-          <a:p>
-            <a:r>
-              <a:rPr lang="en-US" sz="1800" b="1" dirty="0">
-                <a:hlinkClick r:id="rId6"/>
-              </a:rPr>
-              <a:t>JUnit-5</a:t>
-            </a:r>
-            <a:endParaRPr lang="en-US" sz="1800" b="1" dirty="0"/>
-          </a:p>
-          <a:p>
-            <a:r>
-              <a:rPr lang="en-US" sz="1800" b="1" dirty="0">
-                <a:hlinkClick r:id="rId7"/>
-              </a:rPr>
-              <a:t>JUnit-5 Assertions</a:t>
-            </a:r>
-            <a:endParaRPr lang="en-US" sz="1800" b="1" dirty="0"/>
-          </a:p>
-        </p:txBody>
-      </p:sp>
-    </p:spTree>
-    <p:extLst>
-      <p:ext uri="{BB962C8B-B14F-4D97-AF65-F5344CB8AC3E}">
-        <p14:creationId xmlns:p14="http://schemas.microsoft.com/office/powerpoint/2010/main" val="3946901313"/>
       </p:ext>
     </p:extLst>
   </p:cSld>
